--- a/Presentations/1.6 Seasonality tests.pptx
+++ b/Presentations/1.6 Seasonality tests.pptx
@@ -661,7 +661,7 @@
           <a:p>
             <a:fld id="{82CDFBDA-F2A4-4B44-9954-4627E2F3B4D5}" type="datetimeFigureOut">
               <a:rPr lang="en-GB" smtClean="0"/>
-              <a:t>28/09/2024</a:t>
+              <a:t>11/10/2024</a:t>
             </a:fld>
             <a:endParaRPr lang="en-GB"/>
           </a:p>
@@ -5729,8 +5729,8 @@
           </a:p>
         </p:txBody>
       </p:sp>
-      <mc:AlternateContent xmlns:mc="http://schemas.openxmlformats.org/markup-compatibility/2006" xmlns:a14="http://schemas.microsoft.com/office/drawing/2010/main">
-        <mc:Choice Requires="a14">
+      <mc:AlternateContent xmlns:mc="http://schemas.openxmlformats.org/markup-compatibility/2006">
+        <mc:Choice xmlns:a14="http://schemas.microsoft.com/office/drawing/2010/main" Requires="a14">
           <p:sp>
             <p:nvSpPr>
               <p:cNvPr id="3" name="Content Placeholder 2">
@@ -5761,6 +5761,10 @@
               </a:p>
               <a:p>
                 <a:pPr lvl="1"/>
+                <a:r>
+                  <a:rPr lang="en-GB" dirty="0"/>
+                  <a:t>Modified </a:t>
+                </a:r>
                 <a:r>
                   <a:rPr lang="en-GB" dirty="0" err="1"/>
                   <a:t>Ljung</a:t>
@@ -6448,7 +6452,7 @@
             </p:txBody>
           </p:sp>
         </mc:Choice>
-        <mc:Fallback xmlns="">
+        <mc:Fallback>
           <p:sp>
             <p:nvSpPr>
               <p:cNvPr id="3" name="Content Placeholder 2">
@@ -8124,7 +8128,7 @@
           <a:p>
             <a:r>
               <a:rPr lang="en-GB" b="1" dirty="0"/>
-              <a:t>Canova-Hansen test</a:t>
+              <a:t>Canova-Hansen test (R only)</a:t>
             </a:r>
           </a:p>
           <a:p>
@@ -9344,7 +9348,27 @@
           <a:bodyPr/>
           <a:lstStyle/>
           <a:p>
-            <a:endParaRPr lang="en-GB"/>
+            <a:r>
+              <a:rPr lang="fr-BE" dirty="0"/>
+              <a:t>Trading </a:t>
+            </a:r>
+            <a:r>
+              <a:rPr lang="fr-BE" dirty="0" err="1"/>
+              <a:t>days</a:t>
+            </a:r>
+            <a:r>
+              <a:rPr lang="fr-BE" dirty="0"/>
+              <a:t> tests(</a:t>
+            </a:r>
+            <a:r>
+              <a:rPr lang="fr-BE" dirty="0" err="1"/>
+              <a:t>cont</a:t>
+            </a:r>
+            <a:r>
+              <a:rPr lang="fr-BE" dirty="0"/>
+              <a:t>.)</a:t>
+            </a:r>
+            <a:endParaRPr lang="en-GB" dirty="0"/>
           </a:p>
         </p:txBody>
       </p:sp>
@@ -9369,7 +9393,160 @@
           <a:bodyPr/>
           <a:lstStyle/>
           <a:p>
-            <a:endParaRPr lang="en-GB"/>
+            <a:r>
+              <a:rPr lang="en-GB" b="1" dirty="0"/>
+              <a:t>Canova-Hansen test </a:t>
+            </a:r>
+            <a:r>
+              <a:rPr lang="en-GB" dirty="0"/>
+              <a:t>on trading days variables </a:t>
+            </a:r>
+            <a:r>
+              <a:rPr lang="en-GB" b="1" dirty="0"/>
+              <a:t>(R only)</a:t>
+            </a:r>
+          </a:p>
+          <a:p>
+            <a:pPr marL="685800" marR="0" lvl="1" indent="-228600" algn="l" defTabSz="914400" rtl="0" eaLnBrk="1" fontAlgn="auto" latinLnBrk="0" hangingPunct="1">
+              <a:lnSpc>
+                <a:spcPct val="90000"/>
+              </a:lnSpc>
+              <a:spcBef>
+                <a:spcPts val="500"/>
+              </a:spcBef>
+              <a:spcAft>
+                <a:spcPts val="0"/>
+              </a:spcAft>
+              <a:buClrTx/>
+              <a:buSzTx/>
+              <a:buFont typeface="Arial" panose="020B0604020202020204" pitchFamily="34" charset="0"/>
+              <a:buChar char="•"/>
+              <a:tabLst/>
+              <a:defRPr/>
+            </a:pPr>
+            <a:r>
+              <a:rPr kumimoji="0" lang="en-GB" sz="2400" b="0" i="0" u="none" strike="noStrike" kern="1200" cap="none" spc="0" normalizeH="0" baseline="0" noProof="0" dirty="0">
+                <a:ln>
+                  <a:noFill/>
+                </a:ln>
+                <a:solidFill>
+                  <a:srgbClr val="000000"/>
+                </a:solidFill>
+                <a:effectLst/>
+                <a:uLnTx/>
+                <a:uFillTx/>
+                <a:latin typeface="Arial" panose="020B0604020202020204" pitchFamily="34" charset="0"/>
+                <a:ea typeface="+mn-ea"/>
+                <a:cs typeface="+mn-cs"/>
+              </a:rPr>
+              <a:t>test the stability of the coefficients of trading days, using a Lagrange multiplier test.</a:t>
+            </a:r>
+          </a:p>
+          <a:p>
+            <a:pPr marL="685800" marR="0" lvl="1" indent="-228600" algn="l" defTabSz="914400" rtl="0" eaLnBrk="1" fontAlgn="auto" latinLnBrk="0" hangingPunct="1">
+              <a:lnSpc>
+                <a:spcPct val="90000"/>
+              </a:lnSpc>
+              <a:spcBef>
+                <a:spcPts val="500"/>
+              </a:spcBef>
+              <a:spcAft>
+                <a:spcPts val="0"/>
+              </a:spcAft>
+              <a:buClrTx/>
+              <a:buSzTx/>
+              <a:buFont typeface="Arial" panose="020B0604020202020204" pitchFamily="34" charset="0"/>
+              <a:buChar char="•"/>
+              <a:tabLst/>
+              <a:defRPr/>
+            </a:pPr>
+            <a:endParaRPr lang="en-GB" dirty="0">
+              <a:solidFill>
+                <a:srgbClr val="000000"/>
+              </a:solidFill>
+              <a:latin typeface="Arial" panose="020B0604020202020204" pitchFamily="34" charset="0"/>
+            </a:endParaRPr>
+          </a:p>
+          <a:p>
+            <a:pPr>
+              <a:spcBef>
+                <a:spcPts val="500"/>
+              </a:spcBef>
+              <a:defRPr/>
+            </a:pPr>
+            <a:r>
+              <a:rPr kumimoji="0" lang="en-GB" b="0" i="0" u="none" strike="noStrike" kern="1200" cap="none" spc="0" normalizeH="0" baseline="0" noProof="0" dirty="0">
+                <a:ln>
+                  <a:noFill/>
+                </a:ln>
+                <a:solidFill>
+                  <a:srgbClr val="000000"/>
+                </a:solidFill>
+                <a:effectLst/>
+                <a:uLnTx/>
+                <a:uFillTx/>
+                <a:latin typeface="Calibri" panose="020F0502020204030204" pitchFamily="34" charset="0"/>
+                <a:ea typeface="Calibri" panose="020F0502020204030204" pitchFamily="34" charset="0"/>
+                <a:cs typeface="Calibri" panose="020F0502020204030204" pitchFamily="34" charset="0"/>
+              </a:rPr>
+              <a:t>Likelihood test </a:t>
+            </a:r>
+            <a:r>
+              <a:rPr lang="en-GB" dirty="0">
+                <a:solidFill>
+                  <a:srgbClr val="000000"/>
+                </a:solidFill>
+                <a:latin typeface="Calibri" panose="020F0502020204030204" pitchFamily="34" charset="0"/>
+                <a:ea typeface="Calibri" panose="020F0502020204030204" pitchFamily="34" charset="0"/>
+                <a:cs typeface="Calibri" panose="020F0502020204030204" pitchFamily="34" charset="0"/>
+              </a:rPr>
+              <a:t>on time varying trading days coefficients </a:t>
+            </a:r>
+            <a:r>
+              <a:rPr lang="en-GB" b="1" dirty="0"/>
+              <a:t>(R only)</a:t>
+            </a:r>
+          </a:p>
+          <a:p>
+            <a:pPr lvl="1">
+              <a:defRPr/>
+            </a:pPr>
+            <a:r>
+              <a:rPr lang="en-GB" dirty="0">
+                <a:solidFill>
+                  <a:srgbClr val="000000"/>
+                </a:solidFill>
+                <a:latin typeface="Calibri" panose="020F0502020204030204" pitchFamily="34" charset="0"/>
+                <a:ea typeface="Calibri" panose="020F0502020204030204" pitchFamily="34" charset="0"/>
+                <a:cs typeface="Calibri" panose="020F0502020204030204" pitchFamily="34" charset="0"/>
+              </a:rPr>
+              <a:t>rjd3toolkit &gt;= 3.2.5 </a:t>
+            </a:r>
+          </a:p>
+          <a:p>
+            <a:pPr>
+              <a:spcBef>
+                <a:spcPts val="500"/>
+              </a:spcBef>
+              <a:defRPr/>
+            </a:pPr>
+            <a:endParaRPr kumimoji="0" lang="en-GB" b="0" i="0" u="none" strike="noStrike" kern="1200" cap="none" spc="0" normalizeH="0" baseline="0" noProof="0" dirty="0">
+              <a:ln>
+                <a:noFill/>
+              </a:ln>
+              <a:solidFill>
+                <a:srgbClr val="000000"/>
+              </a:solidFill>
+              <a:effectLst/>
+              <a:uLnTx/>
+              <a:uFillTx/>
+              <a:latin typeface="Calibri" panose="020F0502020204030204" pitchFamily="34" charset="0"/>
+              <a:ea typeface="Calibri" panose="020F0502020204030204" pitchFamily="34" charset="0"/>
+              <a:cs typeface="Calibri" panose="020F0502020204030204" pitchFamily="34" charset="0"/>
+            </a:endParaRPr>
+          </a:p>
+          <a:p>
+            <a:endParaRPr lang="en-GB" b="1" dirty="0"/>
           </a:p>
         </p:txBody>
       </p:sp>

--- a/Presentations/1.6 Seasonality tests.pptx
+++ b/Presentations/1.6 Seasonality tests.pptx
@@ -661,7 +661,7 @@
           <a:p>
             <a:fld id="{82CDFBDA-F2A4-4B44-9954-4627E2F3B4D5}" type="datetimeFigureOut">
               <a:rPr lang="en-GB" smtClean="0"/>
-              <a:t>11/10/2024</a:t>
+              <a:t>14/10/2024</a:t>
             </a:fld>
             <a:endParaRPr lang="en-GB"/>
           </a:p>
@@ -5729,8 +5729,8 @@
           </a:p>
         </p:txBody>
       </p:sp>
-      <mc:AlternateContent xmlns:mc="http://schemas.openxmlformats.org/markup-compatibility/2006">
-        <mc:Choice xmlns:a14="http://schemas.microsoft.com/office/drawing/2010/main" Requires="a14">
+      <mc:AlternateContent xmlns:mc="http://schemas.openxmlformats.org/markup-compatibility/2006" xmlns:a14="http://schemas.microsoft.com/office/drawing/2010/main">
+        <mc:Choice Requires="a14">
           <p:sp>
             <p:nvSpPr>
               <p:cNvPr id="3" name="Content Placeholder 2">
@@ -6452,7 +6452,7 @@
             </p:txBody>
           </p:sp>
         </mc:Choice>
-        <mc:Fallback>
+        <mc:Fallback xmlns="">
           <p:sp>
             <p:nvSpPr>
               <p:cNvPr id="3" name="Content Placeholder 2">
@@ -6635,8 +6635,8 @@
           </a:p>
         </p:txBody>
       </p:sp>
-      <mc:AlternateContent xmlns:mc="http://schemas.openxmlformats.org/markup-compatibility/2006" xmlns:a14="http://schemas.microsoft.com/office/drawing/2010/main">
-        <mc:Choice Requires="a14">
+      <mc:AlternateContent xmlns:mc="http://schemas.openxmlformats.org/markup-compatibility/2006">
+        <mc:Choice xmlns:a14="http://schemas.microsoft.com/office/drawing/2010/main" Requires="a14">
           <p:sp>
             <p:nvSpPr>
               <p:cNvPr id="4" name="Rectangle: Rounded Corners 3">
@@ -6710,20 +6710,20 @@
                 </a14:m>
                 <a:r>
                   <a:rPr lang="en-GB" dirty="0"/>
-                  <a:t>: Parametric ANOVA</a:t>
+                  <a:t>: Single factor ANOVA:</a:t>
                 </a:r>
               </a:p>
               <a:p>
                 <a:pPr algn="ctr"/>
                 <a:r>
                   <a:rPr lang="en-GB" dirty="0"/>
-                  <a:t>(identical seasonal factors) </a:t>
+                  <a:t>identical seasonal factors</a:t>
                 </a:r>
               </a:p>
             </p:txBody>
           </p:sp>
         </mc:Choice>
-        <mc:Fallback xmlns="">
+        <mc:Fallback>
           <p:sp>
             <p:nvSpPr>
               <p:cNvPr id="4" name="Rectangle: Rounded Corners 3">
@@ -6786,12 +6786,12 @@
         </p:nvCxnSpPr>
         <p:spPr>
           <a:xfrm rot="5400000">
-            <a:off x="4126383" y="-20644"/>
-            <a:ext cx="3385120" cy="8113451"/>
+            <a:off x="4594814" y="-449957"/>
+            <a:ext cx="2487376" cy="8074332"/>
           </a:xfrm>
           <a:prstGeom prst="bentConnector3">
             <a:avLst>
-              <a:gd name="adj1" fmla="val 11711"/>
+              <a:gd name="adj1" fmla="val 50000"/>
             </a:avLst>
           </a:prstGeom>
           <a:ln>
@@ -6827,7 +6827,7 @@
         </p:nvSpPr>
         <p:spPr>
           <a:xfrm>
-            <a:off x="736846" y="5728641"/>
+            <a:off x="775965" y="4830897"/>
             <a:ext cx="2050742" cy="896644"/>
           </a:xfrm>
           <a:prstGeom prst="ellipse">
@@ -6876,7 +6876,7 @@
         </p:nvSpPr>
         <p:spPr>
           <a:xfrm>
-            <a:off x="4354685" y="5596231"/>
+            <a:off x="4354685" y="5241880"/>
             <a:ext cx="1879106" cy="896644"/>
           </a:xfrm>
           <a:prstGeom prst="ellipse">
@@ -6974,7 +6974,7 @@
         </p:nvSpPr>
         <p:spPr>
           <a:xfrm>
-            <a:off x="1944211" y="2770394"/>
+            <a:off x="1879598" y="3198920"/>
             <a:ext cx="1285737" cy="369332"/>
           </a:xfrm>
           <a:prstGeom prst="rect">
@@ -6995,8 +6995,8 @@
           </a:p>
         </p:txBody>
       </p:sp>
-      <mc:AlternateContent xmlns:mc="http://schemas.openxmlformats.org/markup-compatibility/2006" xmlns:a14="http://schemas.microsoft.com/office/drawing/2010/main">
-        <mc:Choice Requires="a14">
+      <mc:AlternateContent xmlns:mc="http://schemas.openxmlformats.org/markup-compatibility/2006">
+        <mc:Choice xmlns:a14="http://schemas.microsoft.com/office/drawing/2010/main" Requires="a14">
           <p:sp>
             <p:nvSpPr>
               <p:cNvPr id="13" name="Rectangle: Rounded Corners 12">
@@ -7011,7 +7011,7 @@
             </p:nvSpPr>
             <p:spPr>
               <a:xfrm>
-                <a:off x="6513993" y="3029504"/>
+                <a:off x="6212370" y="2534883"/>
                 <a:ext cx="2956264" cy="798991"/>
               </a:xfrm>
               <a:prstGeom prst="roundRect">
@@ -7070,20 +7070,20 @@
                 </a14:m>
                 <a:r>
                   <a:rPr lang="en-GB" dirty="0"/>
-                  <a:t>: Parametric ANOVA</a:t>
+                  <a:t>: Two factors ANOVA</a:t>
                 </a:r>
               </a:p>
               <a:p>
                 <a:pPr algn="ctr"/>
                 <a:r>
                   <a:rPr lang="en-GB" dirty="0"/>
-                  <a:t>(Years, seasonal factors) </a:t>
+                  <a:t>Years, seasonal factors </a:t>
                 </a:r>
               </a:p>
             </p:txBody>
           </p:sp>
         </mc:Choice>
-        <mc:Fallback xmlns="">
+        <mc:Fallback>
           <p:sp>
             <p:nvSpPr>
               <p:cNvPr id="13" name="Rectangle: Rounded Corners 12">
@@ -7100,7 +7100,7 @@
             </p:nvSpPr>
             <p:spPr>
               <a:xfrm>
-                <a:off x="6513993" y="3029504"/>
+                <a:off x="6212370" y="2534883"/>
                 <a:ext cx="2956264" cy="798991"/>
               </a:xfrm>
               <a:prstGeom prst="roundRect">
@@ -7146,8 +7146,8 @@
         </p:nvCxnSpPr>
         <p:spPr>
           <a:xfrm rot="5400000">
-            <a:off x="9130224" y="2683555"/>
-            <a:ext cx="1085479" cy="405411"/>
+            <a:off x="9226722" y="2285433"/>
+            <a:ext cx="590858" cy="707034"/>
           </a:xfrm>
           <a:prstGeom prst="bentConnector2">
             <a:avLst/>
@@ -7366,8 +7366,8 @@
         </p:nvCxnSpPr>
         <p:spPr>
           <a:xfrm rot="10800000" flipV="1">
-            <a:off x="4628229" y="3429000"/>
-            <a:ext cx="1885765" cy="429048"/>
+            <a:off x="4628228" y="2934378"/>
+            <a:ext cx="1584142" cy="923669"/>
           </a:xfrm>
           <a:prstGeom prst="bentConnector2">
             <a:avLst/>
@@ -7405,7 +7405,7 @@
         </p:nvSpPr>
         <p:spPr>
           <a:xfrm>
-            <a:off x="6512882" y="4481328"/>
+            <a:off x="7219216" y="4490659"/>
             <a:ext cx="2956264" cy="798991"/>
           </a:xfrm>
           <a:prstGeom prst="roundRect">
@@ -7465,8 +7465,8 @@
         </p:nvCxnSpPr>
         <p:spPr>
           <a:xfrm rot="10800000" flipV="1">
-            <a:off x="2787589" y="4221085"/>
-            <a:ext cx="1288005" cy="1955877"/>
+            <a:off x="2826707" y="4221085"/>
+            <a:ext cx="1248886" cy="1058133"/>
           </a:xfrm>
           <a:prstGeom prst="bentConnector3">
             <a:avLst>
@@ -7510,8 +7510,8 @@
         </p:nvCxnSpPr>
         <p:spPr>
           <a:xfrm rot="16200000" flipH="1">
-            <a:off x="4057342" y="5155009"/>
-            <a:ext cx="1143418" cy="1646"/>
+            <a:off x="4234518" y="4977833"/>
+            <a:ext cx="789067" cy="1646"/>
           </a:xfrm>
           <a:prstGeom prst="bentConnector3">
             <a:avLst>
@@ -7556,7 +7556,7 @@
         <p:spPr>
           <a:xfrm>
             <a:off x="5180863" y="4221086"/>
-            <a:ext cx="2810151" cy="260242"/>
+            <a:ext cx="3516485" cy="269573"/>
           </a:xfrm>
           <a:prstGeom prst="bentConnector2">
             <a:avLst/>
@@ -7598,8 +7598,8 @@
         </p:nvCxnSpPr>
         <p:spPr>
           <a:xfrm rot="10800000" flipV="1">
-            <a:off x="5294238" y="4880823"/>
-            <a:ext cx="1218644" cy="715407"/>
+            <a:off x="5294238" y="4890154"/>
+            <a:ext cx="1924978" cy="351725"/>
           </a:xfrm>
           <a:prstGeom prst="bentConnector2">
             <a:avLst/>
@@ -7641,8 +7641,8 @@
         </p:nvCxnSpPr>
         <p:spPr>
           <a:xfrm rot="16200000" flipH="1">
-            <a:off x="8125423" y="5145909"/>
-            <a:ext cx="764234" cy="1033053"/>
+            <a:off x="8483256" y="5503741"/>
+            <a:ext cx="754903" cy="326719"/>
           </a:xfrm>
           <a:prstGeom prst="bentConnector2">
             <a:avLst/>
